--- a/Slide.pptx
+++ b/Slide.pptx
@@ -3798,7 +3798,7 @@
         <p:spPr>
           <a:xfrm>
             <a:off x="2268188" y="558140"/>
-            <a:ext cx="7655623" cy="5741717"/>
+            <a:ext cx="7655622" cy="5741717"/>
           </a:xfrm>
           <a:prstGeom prst="rect">
             <a:avLst/>
@@ -3888,7 +3888,7 @@
         <p:spPr>
           <a:xfrm>
             <a:off x="2268188" y="558140"/>
-            <a:ext cx="7655622" cy="5741717"/>
+            <a:ext cx="7655622" cy="5741716"/>
           </a:xfrm>
           <a:prstGeom prst="rect">
             <a:avLst/>

--- a/Slide.pptx
+++ b/Slide.pptx
@@ -11,16 +11,17 @@
     <p:sldId id="264" r:id="rId5"/>
     <p:sldId id="265" r:id="rId6"/>
     <p:sldId id="266" r:id="rId7"/>
-    <p:sldId id="267" r:id="rId8"/>
-    <p:sldId id="268" r:id="rId9"/>
+    <p:sldId id="270" r:id="rId8"/>
+    <p:sldId id="277" r:id="rId9"/>
     <p:sldId id="269" r:id="rId10"/>
-    <p:sldId id="270" r:id="rId11"/>
-    <p:sldId id="271" r:id="rId12"/>
-    <p:sldId id="272" r:id="rId13"/>
-    <p:sldId id="273" r:id="rId14"/>
-    <p:sldId id="274" r:id="rId15"/>
-    <p:sldId id="259" r:id="rId16"/>
-    <p:sldId id="256" r:id="rId17"/>
+    <p:sldId id="276" r:id="rId11"/>
+    <p:sldId id="275" r:id="rId12"/>
+    <p:sldId id="271" r:id="rId13"/>
+    <p:sldId id="272" r:id="rId14"/>
+    <p:sldId id="273" r:id="rId15"/>
+    <p:sldId id="274" r:id="rId16"/>
+    <p:sldId id="259" r:id="rId17"/>
+    <p:sldId id="256" r:id="rId18"/>
   </p:sldIdLst>
   <p:sldSz cx="12192000" cy="6858000"/>
   <p:notesSz cx="6858000" cy="9144000"/>
@@ -323,7 +324,7 @@
           <a:p>
             <a:fld id="{6D21D05C-A417-41BA-9355-9BA8A8E98AD0}" type="datetimeFigureOut">
               <a:rPr lang="pt-BR" smtClean="0"/>
-              <a:t>25/01/2023</a:t>
+              <a:t>21/03/2023</a:t>
             </a:fld>
             <a:endParaRPr lang="pt-BR"/>
           </a:p>
@@ -544,7 +545,7 @@
           <a:p>
             <a:fld id="{6D21D05C-A417-41BA-9355-9BA8A8E98AD0}" type="datetimeFigureOut">
               <a:rPr lang="pt-BR" smtClean="0"/>
-              <a:t>25/01/2023</a:t>
+              <a:t>21/03/2023</a:t>
             </a:fld>
             <a:endParaRPr lang="pt-BR"/>
           </a:p>
@@ -724,7 +725,7 @@
           <a:p>
             <a:fld id="{6D21D05C-A417-41BA-9355-9BA8A8E98AD0}" type="datetimeFigureOut">
               <a:rPr lang="pt-BR" smtClean="0"/>
-              <a:t>25/01/2023</a:t>
+              <a:t>21/03/2023</a:t>
             </a:fld>
             <a:endParaRPr lang="pt-BR"/>
           </a:p>
@@ -894,7 +895,7 @@
           <a:p>
             <a:fld id="{6D21D05C-A417-41BA-9355-9BA8A8E98AD0}" type="datetimeFigureOut">
               <a:rPr lang="pt-BR" smtClean="0"/>
-              <a:t>25/01/2023</a:t>
+              <a:t>21/03/2023</a:t>
             </a:fld>
             <a:endParaRPr lang="pt-BR"/>
           </a:p>
@@ -1145,7 +1146,7 @@
           <a:p>
             <a:fld id="{6D21D05C-A417-41BA-9355-9BA8A8E98AD0}" type="datetimeFigureOut">
               <a:rPr lang="pt-BR" smtClean="0"/>
-              <a:t>25/01/2023</a:t>
+              <a:t>21/03/2023</a:t>
             </a:fld>
             <a:endParaRPr lang="pt-BR"/>
           </a:p>
@@ -1468,7 +1469,7 @@
           <a:p>
             <a:fld id="{6D21D05C-A417-41BA-9355-9BA8A8E98AD0}" type="datetimeFigureOut">
               <a:rPr lang="pt-BR" smtClean="0"/>
-              <a:t>25/01/2023</a:t>
+              <a:t>21/03/2023</a:t>
             </a:fld>
             <a:endParaRPr lang="pt-BR"/>
           </a:p>
@@ -1892,7 +1893,7 @@
           <a:p>
             <a:fld id="{6D21D05C-A417-41BA-9355-9BA8A8E98AD0}" type="datetimeFigureOut">
               <a:rPr lang="pt-BR" smtClean="0"/>
-              <a:t>25/01/2023</a:t>
+              <a:t>21/03/2023</a:t>
             </a:fld>
             <a:endParaRPr lang="pt-BR"/>
           </a:p>
@@ -2010,7 +2011,7 @@
           <a:p>
             <a:fld id="{6D21D05C-A417-41BA-9355-9BA8A8E98AD0}" type="datetimeFigureOut">
               <a:rPr lang="pt-BR" smtClean="0"/>
-              <a:t>25/01/2023</a:t>
+              <a:t>21/03/2023</a:t>
             </a:fld>
             <a:endParaRPr lang="pt-BR"/>
           </a:p>
@@ -2105,7 +2106,7 @@
           <a:p>
             <a:fld id="{6D21D05C-A417-41BA-9355-9BA8A8E98AD0}" type="datetimeFigureOut">
               <a:rPr lang="pt-BR" smtClean="0"/>
-              <a:t>25/01/2023</a:t>
+              <a:t>21/03/2023</a:t>
             </a:fld>
             <a:endParaRPr lang="pt-BR"/>
           </a:p>
@@ -2395,7 +2396,7 @@
           <a:p>
             <a:fld id="{6D21D05C-A417-41BA-9355-9BA8A8E98AD0}" type="datetimeFigureOut">
               <a:rPr lang="pt-BR" smtClean="0"/>
-              <a:t>25/01/2023</a:t>
+              <a:t>21/03/2023</a:t>
             </a:fld>
             <a:endParaRPr lang="pt-BR"/>
           </a:p>
@@ -2667,7 +2668,7 @@
           <a:p>
             <a:fld id="{6D21D05C-A417-41BA-9355-9BA8A8E98AD0}" type="datetimeFigureOut">
               <a:rPr lang="pt-BR" smtClean="0"/>
-              <a:t>25/01/2023</a:t>
+              <a:t>21/03/2023</a:t>
             </a:fld>
             <a:endParaRPr lang="pt-BR"/>
           </a:p>
@@ -2920,7 +2921,7 @@
           <a:p>
             <a:fld id="{6D21D05C-A417-41BA-9355-9BA8A8E98AD0}" type="datetimeFigureOut">
               <a:rPr lang="pt-BR" smtClean="0"/>
-              <a:t>25/01/2023</a:t>
+              <a:t>21/03/2023</a:t>
             </a:fld>
             <a:endParaRPr lang="pt-BR"/>
           </a:p>
@@ -3436,8 +3437,8 @@
         </p:blipFill>
         <p:spPr>
           <a:xfrm>
-            <a:off x="1635760" y="218440"/>
-            <a:ext cx="9144000" cy="6421120"/>
+            <a:off x="1635760" y="243839"/>
+            <a:ext cx="9144000" cy="6387011"/>
           </a:xfrm>
           <a:prstGeom prst="rect">
             <a:avLst/>
@@ -3538,7 +3539,7 @@
     </p:spTree>
     <p:extLst>
       <p:ext uri="{BB962C8B-B14F-4D97-AF65-F5344CB8AC3E}">
-        <p14:creationId xmlns:p14="http://schemas.microsoft.com/office/powerpoint/2010/main" val="3439866761"/>
+        <p14:creationId xmlns:p14="http://schemas.microsoft.com/office/powerpoint/2010/main" val="2207694654"/>
       </p:ext>
     </p:extLst>
   </p:cSld>
@@ -3549,6 +3550,97 @@
 </file>
 
 <file path=ppt/slides/slide11.xml><?xml version="1.0" encoding="utf-8"?>
+<p:sld xmlns:a="http://schemas.openxmlformats.org/drawingml/2006/main" xmlns:r="http://schemas.openxmlformats.org/officeDocument/2006/relationships" xmlns:p="http://schemas.openxmlformats.org/presentationml/2006/main">
+  <p:cSld>
+    <p:bg>
+      <p:bgPr>
+        <a:gradFill>
+          <a:gsLst>
+            <a:gs pos="0">
+              <a:schemeClr val="accent1">
+                <a:lumMod val="5000"/>
+                <a:lumOff val="95000"/>
+              </a:schemeClr>
+            </a:gs>
+            <a:gs pos="32096">
+              <a:srgbClr val="0EB4F0"/>
+            </a:gs>
+            <a:gs pos="81000">
+              <a:srgbClr val="0044CC"/>
+            </a:gs>
+            <a:gs pos="99000">
+              <a:srgbClr val="002060"/>
+            </a:gs>
+          </a:gsLst>
+          <a:lin ang="5400000" scaled="1"/>
+        </a:gradFill>
+        <a:effectLst/>
+      </p:bgPr>
+    </p:bg>
+    <p:spTree>
+      <p:nvGrpSpPr>
+        <p:cNvPr id="1" name=""/>
+        <p:cNvGrpSpPr/>
+        <p:nvPr/>
+      </p:nvGrpSpPr>
+      <p:grpSpPr>
+        <a:xfrm>
+          <a:off x="0" y="0"/>
+          <a:ext cx="0" cy="0"/>
+          <a:chOff x="0" y="0"/>
+          <a:chExt cx="0" cy="0"/>
+        </a:xfrm>
+      </p:grpSpPr>
+      <p:pic>
+        <p:nvPicPr>
+          <p:cNvPr id="6" name="Imagem 5">
+            <a:extLst>
+              <a:ext uri="{FF2B5EF4-FFF2-40B4-BE49-F238E27FC236}">
+                <a16:creationId xmlns:a16="http://schemas.microsoft.com/office/drawing/2014/main" id="{62D885EE-D37D-8BC6-4B35-468CC4AB378E}"/>
+              </a:ext>
+            </a:extLst>
+          </p:cNvPr>
+          <p:cNvPicPr>
+            <a:picLocks noChangeAspect="1"/>
+          </p:cNvPicPr>
+          <p:nvPr/>
+        </p:nvPicPr>
+        <p:blipFill>
+          <a:blip r:embed="rId2">
+            <a:extLst>
+              <a:ext uri="{28A0092B-C50C-407E-A947-70E740481C1C}">
+                <a14:useLocalDpi xmlns:a14="http://schemas.microsoft.com/office/drawing/2010/main" val="0"/>
+              </a:ext>
+            </a:extLst>
+          </a:blip>
+          <a:stretch>
+            <a:fillRect/>
+          </a:stretch>
+        </p:blipFill>
+        <p:spPr>
+          <a:xfrm>
+            <a:off x="2268187" y="558140"/>
+            <a:ext cx="7655625" cy="5741719"/>
+          </a:xfrm>
+          <a:prstGeom prst="rect">
+            <a:avLst/>
+          </a:prstGeom>
+        </p:spPr>
+      </p:pic>
+    </p:spTree>
+    <p:extLst>
+      <p:ext uri="{BB962C8B-B14F-4D97-AF65-F5344CB8AC3E}">
+        <p14:creationId xmlns:p14="http://schemas.microsoft.com/office/powerpoint/2010/main" val="1872817589"/>
+      </p:ext>
+    </p:extLst>
+  </p:cSld>
+  <p:clrMapOvr>
+    <a:masterClrMapping/>
+  </p:clrMapOvr>
+</p:sld>
+</file>
+
+<file path=ppt/slides/slide12.xml><?xml version="1.0" encoding="utf-8"?>
 <p:sld xmlns:a="http://schemas.openxmlformats.org/drawingml/2006/main" xmlns:r="http://schemas.openxmlformats.org/officeDocument/2006/relationships" xmlns:p="http://schemas.openxmlformats.org/presentationml/2006/main">
   <p:cSld>
     <p:bg>
@@ -3638,7 +3730,7 @@
 </p:sld>
 </file>
 
-<file path=ppt/slides/slide12.xml><?xml version="1.0" encoding="utf-8"?>
+<file path=ppt/slides/slide13.xml><?xml version="1.0" encoding="utf-8"?>
 <p:sld xmlns:a="http://schemas.openxmlformats.org/drawingml/2006/main" xmlns:r="http://schemas.openxmlformats.org/officeDocument/2006/relationships" xmlns:p="http://schemas.openxmlformats.org/presentationml/2006/main">
   <p:cSld>
     <p:bg>
@@ -3728,7 +3820,7 @@
 </p:sld>
 </file>
 
-<file path=ppt/slides/slide13.xml><?xml version="1.0" encoding="utf-8"?>
+<file path=ppt/slides/slide14.xml><?xml version="1.0" encoding="utf-8"?>
 <p:sld xmlns:a="http://schemas.openxmlformats.org/drawingml/2006/main" xmlns:r="http://schemas.openxmlformats.org/officeDocument/2006/relationships" xmlns:p="http://schemas.openxmlformats.org/presentationml/2006/main">
   <p:cSld>
     <p:bg>
@@ -3818,7 +3910,7 @@
 </p:sld>
 </file>
 
-<file path=ppt/slides/slide14.xml><?xml version="1.0" encoding="utf-8"?>
+<file path=ppt/slides/slide15.xml><?xml version="1.0" encoding="utf-8"?>
 <p:sld xmlns:a="http://schemas.openxmlformats.org/drawingml/2006/main" xmlns:r="http://schemas.openxmlformats.org/officeDocument/2006/relationships" xmlns:p="http://schemas.openxmlformats.org/presentationml/2006/main">
   <p:cSld>
     <p:bg>
@@ -3908,7 +4000,7 @@
 </p:sld>
 </file>
 
-<file path=ppt/slides/slide15.xml><?xml version="1.0" encoding="utf-8"?>
+<file path=ppt/slides/slide16.xml><?xml version="1.0" encoding="utf-8"?>
 <p:sld xmlns:a="http://schemas.openxmlformats.org/drawingml/2006/main" xmlns:r="http://schemas.openxmlformats.org/officeDocument/2006/relationships" xmlns:p="http://schemas.openxmlformats.org/presentationml/2006/main">
   <p:cSld>
     <p:bg>
@@ -4094,7 +4186,7 @@
 </p:sld>
 </file>
 
-<file path=ppt/slides/slide16.xml><?xml version="1.0" encoding="utf-8"?>
+<file path=ppt/slides/slide17.xml><?xml version="1.0" encoding="utf-8"?>
 <p:sld xmlns:a="http://schemas.openxmlformats.org/drawingml/2006/main" xmlns:r="http://schemas.openxmlformats.org/officeDocument/2006/relationships" xmlns:p="http://schemas.openxmlformats.org/presentationml/2006/main">
   <p:cSld>
     <p:bg>
@@ -5198,52 +5290,12 @@
           <a:chExt cx="0" cy="0"/>
         </a:xfrm>
       </p:grpSpPr>
-      <p:sp>
-        <p:nvSpPr>
-          <p:cNvPr id="2" name="Título 1">
+      <p:pic>
+        <p:nvPicPr>
+          <p:cNvPr id="6" name="Imagem 5">
             <a:extLst>
               <a:ext uri="{FF2B5EF4-FFF2-40B4-BE49-F238E27FC236}">
-                <a16:creationId xmlns:a16="http://schemas.microsoft.com/office/drawing/2014/main" id="{4A02BFA8-9BEB-4846-A67A-22508BFA1359}"/>
-              </a:ext>
-            </a:extLst>
-          </p:cNvPr>
-          <p:cNvSpPr>
-            <a:spLocks noGrp="1"/>
-          </p:cNvSpPr>
-          <p:nvPr>
-            <p:ph type="title"/>
-          </p:nvPr>
-        </p:nvSpPr>
-        <p:spPr>
-          <a:xfrm>
-            <a:off x="1052945" y="240145"/>
-            <a:ext cx="10030691" cy="1125517"/>
-          </a:xfrm>
-        </p:spPr>
-        <p:txBody>
-          <a:bodyPr>
-            <a:normAutofit/>
-          </a:bodyPr>
-          <a:lstStyle/>
-          <a:p>
-            <a:pPr algn="ctr"/>
-            <a:r>
-              <a:rPr lang="pt-BR" sz="3600" b="1" dirty="0">
-                <a:solidFill>
-                  <a:srgbClr val="00A7E2"/>
-                </a:solidFill>
-              </a:rPr>
-              <a:t>As informações obtidas e respostas das perguntas</a:t>
-            </a:r>
-          </a:p>
-        </p:txBody>
-      </p:sp>
-      <p:pic>
-        <p:nvPicPr>
-          <p:cNvPr id="7" name="Imagem 6">
-            <a:extLst>
-              <a:ext uri="{FF2B5EF4-FFF2-40B4-BE49-F238E27FC236}">
-                <a16:creationId xmlns:a16="http://schemas.microsoft.com/office/drawing/2014/main" id="{A8A6E7A5-7D1F-D362-0CEF-1C3676D5139E}"/>
+                <a16:creationId xmlns:a16="http://schemas.microsoft.com/office/drawing/2014/main" id="{62D885EE-D37D-8BC6-4B35-468CC4AB378E}"/>
               </a:ext>
             </a:extLst>
           </p:cNvPr>
@@ -5265,8 +5317,8 @@
         </p:blipFill>
         <p:spPr>
           <a:xfrm>
-            <a:off x="2697458" y="1365662"/>
-            <a:ext cx="6797083" cy="5097813"/>
+            <a:off x="2268187" y="558140"/>
+            <a:ext cx="7655625" cy="5741718"/>
           </a:xfrm>
           <a:prstGeom prst="rect">
             <a:avLst/>
@@ -5276,7 +5328,7 @@
     </p:spTree>
     <p:extLst>
       <p:ext uri="{BB962C8B-B14F-4D97-AF65-F5344CB8AC3E}">
-        <p14:creationId xmlns:p14="http://schemas.microsoft.com/office/powerpoint/2010/main" val="1184233734"/>
+        <p14:creationId xmlns:p14="http://schemas.microsoft.com/office/powerpoint/2010/main" val="3439866761"/>
       </p:ext>
     </p:extLst>
   </p:cSld>
@@ -5328,52 +5380,12 @@
           <a:chExt cx="0" cy="0"/>
         </a:xfrm>
       </p:grpSpPr>
-      <p:sp>
-        <p:nvSpPr>
-          <p:cNvPr id="2" name="Título 1">
+      <p:pic>
+        <p:nvPicPr>
+          <p:cNvPr id="6" name="Imagem 5">
             <a:extLst>
               <a:ext uri="{FF2B5EF4-FFF2-40B4-BE49-F238E27FC236}">
-                <a16:creationId xmlns:a16="http://schemas.microsoft.com/office/drawing/2014/main" id="{4A02BFA8-9BEB-4846-A67A-22508BFA1359}"/>
-              </a:ext>
-            </a:extLst>
-          </p:cNvPr>
-          <p:cNvSpPr>
-            <a:spLocks noGrp="1"/>
-          </p:cNvSpPr>
-          <p:nvPr>
-            <p:ph type="title"/>
-          </p:nvPr>
-        </p:nvSpPr>
-        <p:spPr>
-          <a:xfrm>
-            <a:off x="1052945" y="240145"/>
-            <a:ext cx="10030691" cy="1125517"/>
-          </a:xfrm>
-        </p:spPr>
-        <p:txBody>
-          <a:bodyPr>
-            <a:normAutofit/>
-          </a:bodyPr>
-          <a:lstStyle/>
-          <a:p>
-            <a:pPr algn="ctr"/>
-            <a:r>
-              <a:rPr lang="pt-BR" sz="3600" b="1" dirty="0">
-                <a:solidFill>
-                  <a:srgbClr val="00A7E2"/>
-                </a:solidFill>
-              </a:rPr>
-              <a:t>Crescimento dos lançamentos de jogos indies nos últimos 7 anos</a:t>
-            </a:r>
-          </a:p>
-        </p:txBody>
-      </p:sp>
-      <p:pic>
-        <p:nvPicPr>
-          <p:cNvPr id="7" name="Imagem 6">
-            <a:extLst>
-              <a:ext uri="{FF2B5EF4-FFF2-40B4-BE49-F238E27FC236}">
-                <a16:creationId xmlns:a16="http://schemas.microsoft.com/office/drawing/2014/main" id="{A8A6E7A5-7D1F-D362-0CEF-1C3676D5139E}"/>
+                <a16:creationId xmlns:a16="http://schemas.microsoft.com/office/drawing/2014/main" id="{62D885EE-D37D-8BC6-4B35-468CC4AB378E}"/>
               </a:ext>
             </a:extLst>
           </p:cNvPr>
@@ -5395,8 +5407,8 @@
         </p:blipFill>
         <p:spPr>
           <a:xfrm>
-            <a:off x="2697458" y="1365662"/>
-            <a:ext cx="6797083" cy="5097812"/>
+            <a:off x="2268187" y="558140"/>
+            <a:ext cx="7655625" cy="5741718"/>
           </a:xfrm>
           <a:prstGeom prst="rect">
             <a:avLst/>
@@ -5406,7 +5418,7 @@
     </p:spTree>
     <p:extLst>
       <p:ext uri="{BB962C8B-B14F-4D97-AF65-F5344CB8AC3E}">
-        <p14:creationId xmlns:p14="http://schemas.microsoft.com/office/powerpoint/2010/main" val="1891227836"/>
+        <p14:creationId xmlns:p14="http://schemas.microsoft.com/office/powerpoint/2010/main" val="3940156591"/>
       </p:ext>
     </p:extLst>
   </p:cSld>
@@ -5486,7 +5498,7 @@
         <p:spPr>
           <a:xfrm>
             <a:off x="2697459" y="880094"/>
-            <a:ext cx="6797082" cy="5097812"/>
+            <a:ext cx="6797082" cy="5097811"/>
           </a:xfrm>
           <a:prstGeom prst="rect">
             <a:avLst/>
